--- a/Presentation groupe 9.pptx
+++ b/Presentation groupe 9.pptx
@@ -198,7 +198,7 @@
           <a:p>
             <a:fld id="{5282F153-3F37-0F45-9E97-73ACFA13230C}" type="datetimeFigureOut">
               <a:rPr lang="en-US"/>
-              <a:t>9/28/2025</a:t>
+              <a:t>10/1/2025</a:t>
             </a:fld>
             <a:endParaRPr lang="en-US"/>
           </a:p>
@@ -1620,8 +1620,8 @@
         </p:blipFill>
         <p:spPr>
           <a:xfrm>
-            <a:off x="557935" y="121786"/>
-            <a:ext cx="3683559" cy="1354474"/>
+            <a:off x="760164" y="518023"/>
+            <a:ext cx="2196282" cy="748547"/>
           </a:xfrm>
           <a:prstGeom prst="rect">
             <a:avLst/>
@@ -2042,7 +2042,7 @@
               <a:buNone/>
             </a:pPr>
             <a:r>
-              <a:rPr lang="en-US" sz="2550" dirty="0">
+              <a:rPr lang="en-US" sz="3600" dirty="0">
                 <a:solidFill>
                   <a:srgbClr val="020202"/>
                 </a:solidFill>
@@ -2052,7 +2052,7 @@
               </a:rPr>
               <a:t>Contexte et objectifs du projet</a:t>
             </a:r>
-            <a:endParaRPr lang="en-US" sz="2550" dirty="0"/>
+            <a:endParaRPr lang="en-US" sz="3600" dirty="0"/>
           </a:p>
         </p:txBody>
       </p:sp>
@@ -2083,17 +2083,24 @@
               <a:buNone/>
             </a:pPr>
             <a:r>
-              <a:rPr lang="en-US" sz="1500" dirty="0">
+              <a:rPr lang="fr-FR" sz="2800" dirty="0">
                 <a:solidFill>
                   <a:srgbClr val="020202"/>
                 </a:solidFill>
                 <a:latin typeface="PT Serif" panose="020A0703040505020204" pitchFamily="34" charset="0"/>
-                <a:ea typeface="PT Serif" panose="020A0703040505020204" pitchFamily="34" charset="-122"/>
-                <a:cs typeface="PT Serif" panose="020A0703040505020204" pitchFamily="34" charset="-120"/>
-              </a:rPr>
-              <a:t>Mission principale</a:t>
-            </a:r>
-            <a:endParaRPr lang="en-US" sz="1500" dirty="0"/>
+              </a:rPr>
+              <a:t>O</a:t>
+            </a:r>
+            <a:r>
+              <a:rPr lang="en-US" sz="2800" dirty="0" err="1">
+                <a:solidFill>
+                  <a:srgbClr val="020202"/>
+                </a:solidFill>
+                <a:latin typeface="PT Serif" panose="020A0703040505020204" pitchFamily="34" charset="0"/>
+              </a:rPr>
+              <a:t>bjectif</a:t>
+            </a:r>
+            <a:endParaRPr lang="en-US" sz="2800" dirty="0"/>
           </a:p>
         </p:txBody>
       </p:sp>
@@ -4501,7 +4508,7 @@
               <a:buNone/>
             </a:pPr>
             <a:r>
-              <a:rPr lang="en-US" sz="1450" dirty="0">
+              <a:rPr lang="en-US" sz="1600" dirty="0">
                 <a:solidFill>
                   <a:srgbClr val="383838"/>
                 </a:solidFill>
@@ -4512,7 +4519,7 @@
               <a:t>Utilisation du </a:t>
             </a:r>
             <a:r>
-              <a:rPr lang="en-US" sz="1450" b="1" dirty="0">
+              <a:rPr lang="en-US" sz="1600" b="1" dirty="0">
                 <a:solidFill>
                   <a:srgbClr val="383838"/>
                 </a:solidFill>
@@ -4523,7 +4530,7 @@
               <a:t>CountVectorizer</a:t>
             </a:r>
             <a:r>
-              <a:rPr lang="en-US" sz="1450" dirty="0">
+              <a:rPr lang="en-US" sz="1600" dirty="0">
                 <a:solidFill>
                   <a:srgbClr val="383838"/>
                 </a:solidFill>
@@ -4533,7 +4540,7 @@
               </a:rPr>
               <a:t> pour extraire unigrammes et bigrammes, avec regroupement par périodes temporelles pour identifier l'évolution des sujets dominants.</a:t>
             </a:r>
-            <a:endParaRPr lang="en-US" sz="1450" dirty="0"/>
+            <a:endParaRPr lang="en-US" sz="1600" dirty="0"/>
           </a:p>
         </p:txBody>
       </p:sp>
@@ -4746,7 +4753,7 @@
         </p:nvSpPr>
         <p:spPr>
           <a:xfrm>
-            <a:off x="662821" y="5310965"/>
+            <a:off x="608488" y="5407640"/>
             <a:ext cx="7797998" cy="1530429"/>
           </a:xfrm>
           <a:prstGeom prst="roundRect">
@@ -4972,7 +4979,7 @@
               <a:buNone/>
             </a:pPr>
             <a:r>
-              <a:rPr lang="en-US" sz="2300" dirty="0">
+              <a:rPr lang="en-US" sz="3200" dirty="0">
                 <a:solidFill>
                   <a:srgbClr val="020202"/>
                 </a:solidFill>
@@ -4982,7 +4989,7 @@
               </a:rPr>
               <a:t>Classification sentimentale et résultats</a:t>
             </a:r>
-            <a:endParaRPr lang="en-US" sz="2300" dirty="0"/>
+            <a:endParaRPr lang="en-US" sz="3200" dirty="0"/>
           </a:p>
         </p:txBody>
       </p:sp>
@@ -5010,7 +5017,7 @@
           <a:bodyPr/>
           <a:lstStyle/>
           <a:p>
-            <a:endParaRPr lang="en-US"/>
+            <a:endParaRPr lang="en-US" sz="3200"/>
           </a:p>
         </p:txBody>
       </p:sp>
@@ -5022,7 +5029,7 @@
         </p:nvSpPr>
         <p:spPr>
           <a:xfrm>
-            <a:off x="510183" y="1024057"/>
+            <a:off x="736877" y="1210551"/>
             <a:ext cx="1488519" cy="185976"/>
           </a:xfrm>
           <a:prstGeom prst="rect">
@@ -5041,7 +5048,7 @@
               <a:buNone/>
             </a:pPr>
             <a:r>
-              <a:rPr lang="en-US" sz="1150" dirty="0">
+              <a:rPr lang="en-US" sz="2800" b="1" dirty="0">
                 <a:solidFill>
                   <a:srgbClr val="383838"/>
                 </a:solidFill>
@@ -5049,9 +5056,31 @@
                 <a:ea typeface="PT Serif" panose="020A0703040505020204" pitchFamily="34" charset="-122"/>
                 <a:cs typeface="PT Serif" panose="020A0703040505020204" pitchFamily="34" charset="-120"/>
               </a:rPr>
-              <a:t>Modèle utilisé</a:t>
-            </a:r>
-            <a:endParaRPr lang="en-US" sz="1150" dirty="0"/>
+              <a:t>Modèle</a:t>
+            </a:r>
+            <a:r>
+              <a:rPr lang="en-US" sz="2800" dirty="0">
+                <a:solidFill>
+                  <a:srgbClr val="383838"/>
+                </a:solidFill>
+                <a:latin typeface="PT Serif" panose="020A0703040505020204" pitchFamily="34" charset="0"/>
+                <a:ea typeface="PT Serif" panose="020A0703040505020204" pitchFamily="34" charset="-122"/>
+                <a:cs typeface="PT Serif" panose="020A0703040505020204" pitchFamily="34" charset="-120"/>
+              </a:rPr>
+              <a:t> </a:t>
+            </a:r>
+            <a:r>
+              <a:rPr lang="en-US" sz="2800" b="1" dirty="0">
+                <a:solidFill>
+                  <a:srgbClr val="383838"/>
+                </a:solidFill>
+                <a:latin typeface="PT Serif" panose="020A0703040505020204" pitchFamily="34" charset="0"/>
+                <a:ea typeface="PT Serif" panose="020A0703040505020204" pitchFamily="34" charset="-122"/>
+                <a:cs typeface="PT Serif" panose="020A0703040505020204" pitchFamily="34" charset="-120"/>
+              </a:rPr>
+              <a:t>utilisé</a:t>
+            </a:r>
+            <a:endParaRPr lang="en-US" sz="2800" b="1" dirty="0"/>
           </a:p>
         </p:txBody>
       </p:sp>
@@ -5090,7 +5119,7 @@
                 <a:ea typeface="DM Sans" pitchFamily="34" charset="-122"/>
                 <a:cs typeface="DM Sans" pitchFamily="34" charset="-120"/>
               </a:rPr>
-              <a:t>HuggingFace "tblard/tf-allocine" pour </a:t>
+              <a:t>BERT "tblard/tf-allocine" pour </a:t>
             </a:r>
           </a:p>
           <a:p>
@@ -5109,18 +5138,10 @@
                 <a:ea typeface="DM Sans" pitchFamily="34" charset="-122"/>
                 <a:cs typeface="DM Sans" pitchFamily="34" charset="-120"/>
               </a:rPr>
-              <a:t>l'auto-labelling, suivi d'une approche </a:t>
-            </a:r>
-          </a:p>
-          <a:p>
-            <a:pPr marL="0" indent="0" algn="l">
-              <a:lnSpc>
-                <a:spcPct val="150000"/>
-              </a:lnSpc>
-              <a:buNone/>
-            </a:pPr>
-            <a:r>
-              <a:rPr lang="en-US" sz="2000" dirty="0">
+              <a:t>l'auto-labelling, pour </a:t>
+            </a:r>
+            <a:r>
+              <a:rPr lang="en-US" sz="2000" dirty="0" err="1">
                 <a:solidFill>
                   <a:srgbClr val="383838"/>
                 </a:solidFill>
@@ -5128,7 +5149,18 @@
                 <a:ea typeface="DM Sans" pitchFamily="34" charset="-122"/>
                 <a:cs typeface="DM Sans" pitchFamily="34" charset="-120"/>
               </a:rPr>
-              <a:t>ML avec TF-IDF et régression logistique.</a:t>
+              <a:t>analyser</a:t>
+            </a:r>
+            <a:r>
+              <a:rPr lang="en-US" sz="2000" dirty="0">
+                <a:solidFill>
+                  <a:srgbClr val="383838"/>
+                </a:solidFill>
+                <a:latin typeface="DM Sans" pitchFamily="34" charset="0"/>
+                <a:ea typeface="DM Sans" pitchFamily="34" charset="-122"/>
+                <a:cs typeface="DM Sans" pitchFamily="34" charset="-120"/>
+              </a:rPr>
+              <a:t> les sentiments</a:t>
             </a:r>
           </a:p>
         </p:txBody>
@@ -5169,7 +5201,7 @@
         </p:nvSpPr>
         <p:spPr>
           <a:xfrm>
-            <a:off x="7485221" y="1024057"/>
+            <a:off x="7485221" y="1167331"/>
             <a:ext cx="1488519" cy="185976"/>
           </a:xfrm>
           <a:prstGeom prst="rect">
@@ -5188,7 +5220,7 @@
               <a:buNone/>
             </a:pPr>
             <a:r>
-              <a:rPr lang="en-US" sz="1150" dirty="0">
+              <a:rPr lang="en-US" sz="2800" b="1" dirty="0">
                 <a:solidFill>
                   <a:srgbClr val="383838"/>
                 </a:solidFill>
@@ -5198,7 +5230,7 @@
               </a:rPr>
               <a:t>Pipeline complet</a:t>
             </a:r>
-            <a:endParaRPr lang="en-US" sz="1150" dirty="0"/>
+            <a:endParaRPr lang="en-US" sz="2800" b="1" dirty="0"/>
           </a:p>
         </p:txBody>
       </p:sp>
@@ -5210,7 +5242,7 @@
         </p:nvSpPr>
         <p:spPr>
           <a:xfrm>
-            <a:off x="7485221" y="1278017"/>
+            <a:off x="7485221" y="1469933"/>
             <a:ext cx="6634996" cy="181451"/>
           </a:xfrm>
           <a:prstGeom prst="rect">
@@ -5572,7 +5604,7 @@
         </p:nvSpPr>
         <p:spPr>
           <a:xfrm>
-            <a:off x="5490487" y="6320352"/>
+            <a:off x="5542946" y="6506937"/>
             <a:ext cx="4225330" cy="563205"/>
           </a:xfrm>
           <a:prstGeom prst="rect">
@@ -5641,7 +5673,18 @@
                 <a:ea typeface="DM Sans" pitchFamily="34" charset="-122"/>
                 <a:cs typeface="DM Sans" pitchFamily="34" charset="-120"/>
               </a:rPr>
-              <a:t>manuellement</a:t>
+              <a:t>Manuellement</a:t>
+            </a:r>
+            <a:r>
+              <a:rPr lang="en-US" sz="1600" dirty="0">
+                <a:solidFill>
+                  <a:srgbClr val="383838"/>
+                </a:solidFill>
+                <a:latin typeface="DM Sans" pitchFamily="34" charset="0"/>
+                <a:ea typeface="DM Sans" pitchFamily="34" charset="-122"/>
+                <a:cs typeface="DM Sans" pitchFamily="34" charset="-120"/>
+              </a:rPr>
+              <a:t> et faire du fine tuning local</a:t>
             </a:r>
             <a:endParaRPr lang="en-US" sz="1600" dirty="0"/>
           </a:p>
@@ -5655,7 +5698,7 @@
         </p:nvSpPr>
         <p:spPr>
           <a:xfrm>
-            <a:off x="5490487" y="7201632"/>
+            <a:off x="5490487" y="7459447"/>
             <a:ext cx="4442697" cy="563205"/>
           </a:xfrm>
           <a:prstGeom prst="rect">
@@ -5683,41 +5726,10 @@
                 <a:ea typeface="DM Sans" pitchFamily="34" charset="-122"/>
                 <a:cs typeface="DM Sans" pitchFamily="34" charset="-120"/>
               </a:rPr>
-              <a:t>Tableau de bord interactif Streamlit</a:t>
-            </a:r>
-            <a:endParaRPr lang="en-US" sz="1600" dirty="0"/>
-          </a:p>
-        </p:txBody>
-      </p:sp>
-      <p:sp>
-        <p:nvSpPr>
-          <p:cNvPr id="21" name="Text 18"/>
-          <p:cNvSpPr/>
-          <p:nvPr/>
-        </p:nvSpPr>
-        <p:spPr>
-          <a:xfrm>
-            <a:off x="5437980" y="6878396"/>
-            <a:ext cx="4329031" cy="563205"/>
-          </a:xfrm>
-          <a:prstGeom prst="rect">
-            <a:avLst/>
-          </a:prstGeom>
-          <a:noFill/>
-        </p:spPr>
-        <p:txBody>
-          <a:bodyPr wrap="none" lIns="0" tIns="0" rIns="0" bIns="0" rtlCol="0" anchor="t"/>
-          <a:lstStyle/>
-          <a:p>
-            <a:pPr marL="342900" indent="-342900" algn="l">
-              <a:lnSpc>
-                <a:spcPts val="1400"/>
-              </a:lnSpc>
-              <a:buSzPct val="100000"/>
-              <a:buChar char="•"/>
-            </a:pPr>
-            <a:r>
-              <a:rPr lang="en-US" sz="1600" dirty="0">
+              <a:t>Tableau de bord </a:t>
+            </a:r>
+            <a:r>
+              <a:rPr lang="en-US" sz="1600" dirty="0" err="1">
                 <a:solidFill>
                   <a:srgbClr val="383838"/>
                 </a:solidFill>
@@ -5725,7 +5737,18 @@
                 <a:ea typeface="DM Sans" pitchFamily="34" charset="-122"/>
                 <a:cs typeface="DM Sans" pitchFamily="34" charset="-120"/>
               </a:rPr>
-              <a:t>Système d'alertes automatiques</a:t>
+              <a:t>interactif</a:t>
+            </a:r>
+            <a:r>
+              <a:rPr lang="en-US" sz="1600" dirty="0">
+                <a:solidFill>
+                  <a:srgbClr val="383838"/>
+                </a:solidFill>
+                <a:latin typeface="DM Sans" pitchFamily="34" charset="0"/>
+                <a:ea typeface="DM Sans" pitchFamily="34" charset="-122"/>
+                <a:cs typeface="DM Sans" pitchFamily="34" charset="-120"/>
+              </a:rPr>
+              <a:t> avec Django</a:t>
             </a:r>
             <a:endParaRPr lang="en-US" sz="1600" dirty="0"/>
           </a:p>
@@ -5852,7 +5875,7 @@
         </p:nvSpPr>
         <p:spPr>
           <a:xfrm>
-            <a:off x="510182" y="2992242"/>
+            <a:off x="510182" y="2698314"/>
             <a:ext cx="2596753" cy="324564"/>
           </a:xfrm>
           <a:prstGeom prst="rect">
@@ -5900,7 +5923,7 @@
         </p:nvSpPr>
         <p:spPr>
           <a:xfrm>
-            <a:off x="510182" y="3524451"/>
+            <a:off x="510182" y="3184056"/>
             <a:ext cx="6334839" cy="332423"/>
           </a:xfrm>
           <a:prstGeom prst="rect">
@@ -5949,7 +5972,7 @@
         </p:nvSpPr>
         <p:spPr>
           <a:xfrm>
-            <a:off x="510182" y="3929502"/>
+            <a:off x="510182" y="3686872"/>
             <a:ext cx="6334839" cy="332423"/>
           </a:xfrm>
           <a:prstGeom prst="rect">
@@ -5978,7 +6001,7 @@
                 <a:ea typeface="Arimo" pitchFamily="34" charset="-122"/>
                 <a:cs typeface="Arimo" pitchFamily="34" charset="-120"/>
               </a:rPr>
-              <a:t>Classification NLP avec TextBlob/NLTK ou transformers BERT</a:t>
+              <a:t>Classification NLP avec transformers BERT</a:t>
             </a:r>
             <a:endParaRPr lang="en-US" sz="1600" dirty="0"/>
           </a:p>
@@ -5998,7 +6021,7 @@
         </p:nvSpPr>
         <p:spPr>
           <a:xfrm>
-            <a:off x="510182" y="4334552"/>
+            <a:off x="510182" y="4190819"/>
             <a:ext cx="6334839" cy="332423"/>
           </a:xfrm>
           <a:prstGeom prst="rect">
@@ -6047,7 +6070,7 @@
         </p:nvSpPr>
         <p:spPr>
           <a:xfrm>
-            <a:off x="510182" y="4739603"/>
+            <a:off x="510182" y="4684068"/>
             <a:ext cx="6334839" cy="332423"/>
           </a:xfrm>
           <a:prstGeom prst="rect">
